--- a/server/uploads/updated-test.pptx
+++ b/server/uploads/updated-test.pptx
@@ -267,7 +267,7 @@
           <a:p>
             <a:fld id="{94463C9C-F912-4252-8C2D-08E20751123F}" type="datetimeFigureOut">
               <a:rPr lang="he-IL" smtClean="0"/>
-              <a:t>י"ז/אייר/תשפ"ב</a:t>
+              <a:t>י"ט/אייר/תשפ"ב</a:t>
             </a:fld>
             <a:endParaRPr lang="he-IL" dirty="0"/>
           </a:p>
@@ -467,7 +467,7 @@
           <a:p>
             <a:fld id="{94463C9C-F912-4252-8C2D-08E20751123F}" type="datetimeFigureOut">
               <a:rPr lang="he-IL" smtClean="0"/>
-              <a:t>י"ז/אייר/תשפ"ב</a:t>
+              <a:t>י"ט/אייר/תשפ"ב</a:t>
             </a:fld>
             <a:endParaRPr lang="he-IL" dirty="0"/>
           </a:p>
@@ -677,7 +677,7 @@
           <a:p>
             <a:fld id="{94463C9C-F912-4252-8C2D-08E20751123F}" type="datetimeFigureOut">
               <a:rPr lang="he-IL" smtClean="0"/>
-              <a:t>י"ז/אייר/תשפ"ב</a:t>
+              <a:t>י"ט/אייר/תשפ"ב</a:t>
             </a:fld>
             <a:endParaRPr lang="he-IL" dirty="0"/>
           </a:p>
@@ -877,7 +877,7 @@
           <a:p>
             <a:fld id="{94463C9C-F912-4252-8C2D-08E20751123F}" type="datetimeFigureOut">
               <a:rPr lang="he-IL" smtClean="0"/>
-              <a:t>י"ז/אייר/תשפ"ב</a:t>
+              <a:t>י"ט/אייר/תשפ"ב</a:t>
             </a:fld>
             <a:endParaRPr lang="he-IL" dirty="0"/>
           </a:p>
@@ -1153,7 +1153,7 @@
           <a:p>
             <a:fld id="{94463C9C-F912-4252-8C2D-08E20751123F}" type="datetimeFigureOut">
               <a:rPr lang="he-IL" smtClean="0"/>
-              <a:t>י"ז/אייר/תשפ"ב</a:t>
+              <a:t>י"ט/אייר/תשפ"ב</a:t>
             </a:fld>
             <a:endParaRPr lang="he-IL" dirty="0"/>
           </a:p>
@@ -1421,7 +1421,7 @@
           <a:p>
             <a:fld id="{94463C9C-F912-4252-8C2D-08E20751123F}" type="datetimeFigureOut">
               <a:rPr lang="he-IL" smtClean="0"/>
-              <a:t>י"ז/אייר/תשפ"ב</a:t>
+              <a:t>י"ט/אייר/תשפ"ב</a:t>
             </a:fld>
             <a:endParaRPr lang="he-IL" dirty="0"/>
           </a:p>
@@ -1836,7 +1836,7 @@
           <a:p>
             <a:fld id="{94463C9C-F912-4252-8C2D-08E20751123F}" type="datetimeFigureOut">
               <a:rPr lang="he-IL" smtClean="0"/>
-              <a:t>י"ז/אייר/תשפ"ב</a:t>
+              <a:t>י"ט/אייר/תשפ"ב</a:t>
             </a:fld>
             <a:endParaRPr lang="he-IL" dirty="0"/>
           </a:p>
@@ -1978,7 +1978,7 @@
           <a:p>
             <a:fld id="{94463C9C-F912-4252-8C2D-08E20751123F}" type="datetimeFigureOut">
               <a:rPr lang="he-IL" smtClean="0"/>
-              <a:t>י"ז/אייר/תשפ"ב</a:t>
+              <a:t>י"ט/אייר/תשפ"ב</a:t>
             </a:fld>
             <a:endParaRPr lang="he-IL" dirty="0"/>
           </a:p>
@@ -2091,7 +2091,7 @@
           <a:p>
             <a:fld id="{94463C9C-F912-4252-8C2D-08E20751123F}" type="datetimeFigureOut">
               <a:rPr lang="he-IL" smtClean="0"/>
-              <a:t>י"ז/אייר/תשפ"ב</a:t>
+              <a:t>י"ט/אייר/תשפ"ב</a:t>
             </a:fld>
             <a:endParaRPr lang="he-IL" dirty="0"/>
           </a:p>
@@ -2404,7 +2404,7 @@
           <a:p>
             <a:fld id="{94463C9C-F912-4252-8C2D-08E20751123F}" type="datetimeFigureOut">
               <a:rPr lang="he-IL" smtClean="0"/>
-              <a:t>י"ז/אייר/תשפ"ב</a:t>
+              <a:t>י"ט/אייר/תשפ"ב</a:t>
             </a:fld>
             <a:endParaRPr lang="he-IL" dirty="0"/>
           </a:p>
@@ -2693,7 +2693,7 @@
           <a:p>
             <a:fld id="{94463C9C-F912-4252-8C2D-08E20751123F}" type="datetimeFigureOut">
               <a:rPr lang="he-IL" smtClean="0"/>
-              <a:t>י"ז/אייר/תשפ"ב</a:t>
+              <a:t>י"ט/אייר/תשפ"ב</a:t>
             </a:fld>
             <a:endParaRPr lang="he-IL" dirty="0"/>
           </a:p>
@@ -2939,7 +2939,7 @@
           <a:p>
             <a:fld id="{94463C9C-F912-4252-8C2D-08E20751123F}" type="datetimeFigureOut">
               <a:rPr lang="he-IL" smtClean="0"/>
-              <a:t>י"ז/אייר/תשפ"ב</a:t>
+              <a:t>י"ט/אייר/תשפ"ב</a:t>
             </a:fld>
             <a:endParaRPr lang="he-IL" dirty="0"/>
           </a:p>
@@ -4090,7 +4090,7 @@
                   <a:srgbClr val="000035"/>
                 </a:solidFill>
               </a:rPr>
-              <a:t>Definitions [1]</a:t>
+              <a:t>Definitions</a:t>
             </a:r>
             <a:endParaRPr lang="he-IL" b="1" dirty="0">
               <a:solidFill>
@@ -4243,7 +4243,7 @@
                   <a:srgbClr val="0070C0"/>
                 </a:solidFill>
               </a:rPr>
-              <a:t>Definitions  [2]</a:t>
+              <a:t>Definitions</a:t>
             </a:r>
             <a:endParaRPr lang="he-IL" b="1" dirty="0">
               <a:solidFill>
@@ -4315,36 +4315,6 @@
           </a:p>
         </p:txBody>
       </p:sp>
-      <p:pic>
-        <p:nvPicPr>
-          <p:cNvPr id="8" name="Picture 7">
-            <a:extLst>
-              <a:ext uri="{FF2B5EF4-FFF2-40B4-BE49-F238E27FC236}">
-                <a16:creationId xmlns:a16="http://schemas.microsoft.com/office/drawing/2014/main" id="{CA74C8DC-A474-4997-9067-672610080066}"/>
-              </a:ext>
-            </a:extLst>
-          </p:cNvPr>
-          <p:cNvPicPr>
-            <a:picLocks noChangeAspect="1"/>
-          </p:cNvPicPr>
-          <p:nvPr/>
-        </p:nvPicPr>
-        <p:blipFill>
-          <a:blip r:embed="rId2"/>
-          <a:stretch>
-            <a:fillRect/>
-          </a:stretch>
-        </p:blipFill>
-        <p:spPr>
-          <a:xfrm>
-            <a:off x="9116455" y="4485706"/>
-            <a:ext cx="2509065" cy="1881799"/>
-          </a:xfrm>
-          <a:prstGeom prst="rect">
-            <a:avLst/>
-          </a:prstGeom>
-        </p:spPr>
-      </p:pic>
     </p:spTree>
     <p:extLst>
       <p:ext uri="{BB962C8B-B14F-4D97-AF65-F5344CB8AC3E}">

--- a/server/uploads/updated-test.pptx
+++ b/server/uploads/updated-test.pptx
@@ -4191,7 +4191,7 @@
       </p:sp>
       <p:pic>
         <p:nvPicPr>
-          <p:cNvPr id="4" name="image-dc17b372-d861-4894-bdbe-73e569ec0fa4.png 4" descr="image-dc17b372-d861-4894-bdbe-73e569ec0fa4.png"/>
+          <p:cNvPr id="4" name="image-1ed41bf9-7083-4dd5-aa98-e32c4895009c.png 4" descr="image-1ed41bf9-7083-4dd5-aa98-e32c4895009c.png"/>
           <p:cNvPicPr>
             <a:picLocks noChangeAspect="1"/>
           </p:cNvPicPr>
@@ -4232,7 +4232,7 @@
     <p:bg>
       <p:bgPr>
         <a:solidFill>
-          <a:srgbClr val="002060"/>
+          <a:srgbClr val="a6a7fa"/>
         </a:solidFill>
         <a:effectLst/>
       </p:bgPr>
@@ -4280,7 +4280,7 @@
             <a:r>
               <a:rPr lang="en-US" b="1" dirty="0">
                 <a:solidFill>
-                  <a:srgbClr val="0070C0"/>
+                  <a:srgbClr val="001d5e"/>
                 </a:solidFill>
               </a:rPr>
               <a:t>Definitions</a:t>
@@ -4323,12 +4323,13 @@
               <a:buNone/>
             </a:pPr>
             <a:r>
-              <a:rPr lang="en-US" dirty="0"/>
-              <a:t>Data Set: </a:t>
-            </a:r>
-            <a:r>
-              <a:rPr lang="en-US" sz="2400" dirty="0"/>
-              <a:t>Data For Learning, Examples - with or without “results”.</a:t>
+              <a:rPr lang="en-US" dirty="0">
+                <a:solidFill>
+                  <a:srgbClr val="000000"/>
+                </a:solidFill>
+              </a:rPr>
+              <a:t>•Data Set:
+	◦ Data For Learning, Examples - with or without “results”.</a:t>
             </a:r>
           </a:p>
           <a:p>
@@ -4336,20 +4337,13 @@
               <a:buNone/>
             </a:pPr>
             <a:r>
-              <a:rPr lang="en-US" dirty="0"/>
-              <a:t>Occam’s Razor: </a:t>
-            </a:r>
-            <a:r>
-              <a:rPr lang="en-US" sz="2400" dirty="0"/>
-              <a:t>prefer a </a:t>
-            </a:r>
-            <a:r>
-              <a:rPr lang="en-US" sz="2400" b="1" dirty="0"/>
-              <a:t>simple</a:t>
-            </a:r>
-            <a:r>
-              <a:rPr lang="en-US" sz="2400" dirty="0"/>
-              <a:t> model if possible.</a:t>
+              <a:rPr lang="en-US" dirty="0">
+                <a:solidFill>
+                  <a:srgbClr val="000000"/>
+                </a:solidFill>
+              </a:rPr>
+              <a:t>•Occam’s Razor:
+	◦ prefer a simple model if possible.</a:t>
             </a:r>
             <a:endParaRPr lang="he-IL" dirty="0"/>
           </a:p>
@@ -4374,7 +4368,7 @@
     <p:bg>
       <p:bgPr>
         <a:solidFill>
-          <a:srgbClr val="002060"/>
+          <a:srgbClr val="a6a7fa"/>
         </a:solidFill>
         <a:effectLst/>
       </p:bgPr>
@@ -4417,7 +4411,7 @@
             <a:r>
               <a:rPr lang="en-US" b="1" dirty="0">
                 <a:solidFill>
-                  <a:srgbClr val="0070C0"/>
+                  <a:srgbClr val="001d5e"/>
                 </a:solidFill>
               </a:rPr>
               <a:t>Outline</a:t>
@@ -4624,7 +4618,11 @@
           <a:p>
             <a:pPr marL="342900" indent="-342900"/>
             <a:r>
-              <a:rPr lang="en-US" dirty="0"/>
+              <a:rPr lang="en-US" dirty="0">
+                <a:solidFill>
+                  <a:srgbClr val="000000"/>
+                </a:solidFill>
+              </a:rPr>
               <a:t>Machine Learning</a:t>
             </a:r>
           </a:p>
@@ -4633,7 +4631,7 @@
             <a:r>
               <a:rPr lang="en-US" b="1" dirty="0">
                 <a:solidFill>
-                  <a:srgbClr val="0070C0"/>
+                  <a:srgbClr val="001d5e"/>
                 </a:solidFill>
               </a:rPr>
               <a:t>Text Mining</a:t>
@@ -4642,21 +4640,33 @@
           <a:p>
             <a:pPr marL="342900" indent="-342900"/>
             <a:r>
-              <a:rPr lang="en-US" dirty="0"/>
+              <a:rPr lang="en-US" dirty="0">
+                <a:solidFill>
+                  <a:srgbClr val="000000"/>
+                </a:solidFill>
+              </a:rPr>
               <a:t>Learning Algorithm</a:t>
             </a:r>
           </a:p>
           <a:p>
             <a:pPr marL="342900" indent="-342900"/>
             <a:r>
-              <a:rPr lang="en-US" dirty="0"/>
+              <a:rPr lang="en-US" dirty="0">
+                <a:solidFill>
+                  <a:srgbClr val="000000"/>
+                </a:solidFill>
+              </a:rPr>
               <a:t>Text mining for market prediction</a:t>
             </a:r>
           </a:p>
           <a:p>
             <a:pPr marL="342900" indent="-342900"/>
             <a:r>
-              <a:rPr lang="en-US" dirty="0"/>
+              <a:rPr lang="en-US" dirty="0">
+                <a:solidFill>
+                  <a:srgbClr val="000000"/>
+                </a:solidFill>
+              </a:rPr>
               <a:t>Conclusions</a:t>
             </a:r>
             <a:endParaRPr lang="he-IL" dirty="0"/>
@@ -4682,7 +4692,7 @@
     <p:bg>
       <p:bgPr>
         <a:solidFill>
-          <a:srgbClr val="002060"/>
+          <a:srgbClr val="a6a7fa"/>
         </a:solidFill>
         <a:effectLst/>
       </p:bgPr>
@@ -4725,7 +4735,7 @@
             <a:r>
               <a:rPr lang="en-US" b="1" dirty="0">
                 <a:solidFill>
-                  <a:srgbClr val="0070C0"/>
+                  <a:srgbClr val="001d5e"/>
                 </a:solidFill>
               </a:rPr>
               <a:t>Text Mining</a:t>
@@ -4763,8 +4773,12 @@
               <a:buNone/>
             </a:pPr>
             <a:r>
-              <a:rPr lang="en-US" dirty="0"/>
-              <a:t>Technology development.</a:t>
+              <a:rPr lang="en-US" dirty="0">
+                <a:solidFill>
+                  <a:srgbClr val="000000"/>
+                </a:solidFill>
+              </a:rPr>
+              <a:t>•Technology development.</a:t>
             </a:r>
           </a:p>
           <a:p>
@@ -4772,16 +4786,13 @@
               <a:buNone/>
             </a:pPr>
             <a:r>
-              <a:rPr lang="en-US" dirty="0"/>
-              <a:t>Documents go digital: </a:t>
-            </a:r>
-            <a:r>
               <a:rPr lang="en-US" dirty="0">
                 <a:solidFill>
-                  <a:srgbClr val="0070C0"/>
+                  <a:srgbClr val="000000"/>
                 </a:solidFill>
               </a:rPr>
-              <a:t>Need to search for information digitally.</a:t>
+              <a:t>•Documents go digital:
+	◦ Need to search for information digitally.</a:t>
             </a:r>
           </a:p>
           <a:p>
@@ -4789,13 +4800,41 @@
               <a:buNone/>
             </a:pPr>
             <a:r>
-              <a:rPr lang="en-US" dirty="0"/>
-              <a:t>Strong field, a lot of money, very popular.</a:t>
+              <a:rPr lang="en-US" dirty="0">
+                <a:solidFill>
+                  <a:srgbClr val="000000"/>
+                </a:solidFill>
+              </a:rPr>
+              <a:t>•Strong field, a lot of money, very popular.</a:t>
             </a:r>
             <a:endParaRPr lang="he-IL" dirty="0"/>
           </a:p>
         </p:txBody>
       </p:sp>
+      <p:pic>
+        <p:nvPicPr>
+          <p:cNvPr id="4" name="image-4467538a-495b-4eba-950e-a8b3e2492554.png 4" descr="image-4467538a-495b-4eba-950e-a8b3e2492554.png"/>
+          <p:cNvPicPr>
+            <a:picLocks noChangeAspect="1"/>
+          </p:cNvPicPr>
+          <p:nvPr/>
+        </p:nvPicPr>
+        <p:blipFill>
+          <a:blip r:embed="rId2" cstate="print"/>
+          <a:stretch>
+            <a:fillRect/>
+          </a:stretch>
+        </p:blipFill>
+        <p:spPr>
+          <a:xfrm>
+            <a:off x="7620000" y="3937000"/>
+            <a:ext cx="4445000" cy="2528558"/>
+          </a:xfrm>
+          <a:prstGeom prst="rect">
+            <a:avLst/>
+          </a:prstGeom>
+        </p:spPr>
+      </p:pic>
     </p:spTree>
     <p:extLst>
       <p:ext uri="{BB962C8B-B14F-4D97-AF65-F5344CB8AC3E}">
@@ -4815,7 +4854,7 @@
     <p:bg>
       <p:bgPr>
         <a:solidFill>
-          <a:srgbClr val="002060"/>
+          <a:srgbClr val="a6a7fa"/>
         </a:solidFill>
         <a:effectLst/>
       </p:bgPr>
@@ -4858,7 +4897,7 @@
             <a:r>
               <a:rPr lang="en-US" b="1" dirty="0">
                 <a:solidFill>
-                  <a:srgbClr val="00B0F0"/>
+                  <a:srgbClr val="002152"/>
                 </a:solidFill>
               </a:rPr>
               <a:t>Definitions</a:t>
@@ -4896,8 +4935,14 @@
               <a:buNone/>
             </a:pPr>
             <a:r>
-              <a:rPr lang="en-US" dirty="0"/>
-              <a:t>Generalize to new examples: The ability of the model to properly adapt to previously unseen data.</a:t>
+              <a:rPr lang="en-US" dirty="0">
+                <a:solidFill>
+                  <a:srgbClr val="000000"/>
+                </a:solidFill>
+              </a:rPr>
+              <a:t>•Generalize to new examples:
+	◦ The ability of the model to properly adapt to previously 
+	 unseen data.</a:t>
             </a:r>
           </a:p>
           <a:p>
@@ -4905,8 +4950,13 @@
               <a:buNone/>
             </a:pPr>
             <a:r>
-              <a:rPr lang="en-US" dirty="0"/>
-              <a:t>Dimensionality Reduction: Data from a high-dimensional space into a low-dimensional.</a:t>
+              <a:rPr lang="en-US" dirty="0">
+                <a:solidFill>
+                  <a:srgbClr val="000000"/>
+                </a:solidFill>
+              </a:rPr>
+              <a:t>•Dimensionality Reduction:
+	◦ Data from a high-dimensional space into a low-dimensional.</a:t>
             </a:r>
           </a:p>
           <a:p>
@@ -4914,8 +4964,12 @@
               <a:buNone/>
             </a:pPr>
             <a:r>
-              <a:rPr lang="en-US" dirty="0"/>
-              <a:t>NLP – Natural Language Processing.</a:t>
+              <a:rPr lang="en-US" dirty="0">
+                <a:solidFill>
+                  <a:srgbClr val="000000"/>
+                </a:solidFill>
+              </a:rPr>
+              <a:t>•NLP – Natural Language Processing.</a:t>
             </a:r>
             <a:endParaRPr lang="he-IL" dirty="0"/>
           </a:p>

--- a/server/uploads/updated-test.pptx
+++ b/server/uploads/updated-test.pptx
@@ -3345,7 +3345,7 @@
     <p:bg>
       <p:bgPr>
         <a:solidFill>
-          <a:srgbClr val="a6a7fa"/>
+          <a:srgbClr val="002060"/>
         </a:solidFill>
         <a:effectLst/>
       </p:bgPr>
@@ -3395,7 +3395,7 @@
             <a:r>
               <a:rPr lang="en-US" b="1" dirty="0">
                 <a:solidFill>
-                  <a:srgbClr val="001d5e"/>
+                  <a:srgbClr val="0070C0"/>
                 </a:solidFill>
               </a:rPr>
               <a:t>A Review of Machine Learning Algorithms for Text-Documents Classification</a:t>
@@ -3437,7 +3437,7 @@
             <a:r>
               <a:rPr lang="en-US" dirty="0">
                 <a:solidFill>
-                  <a:srgbClr val="001d5e"/>
+                  <a:srgbClr val="0070C0"/>
                 </a:solidFill>
               </a:rPr>
               <a:t>Aurangzeb Khan, Baharum Baharudin, Lam Hong Lee*, </a:t>
@@ -3445,7 +3445,7 @@
             <a:r>
               <a:rPr lang="en-US" dirty="0" err="1">
                 <a:solidFill>
-                  <a:srgbClr val="001d5e"/>
+                  <a:srgbClr val="0070C0"/>
                 </a:solidFill>
               </a:rPr>
               <a:t>Khairullah</a:t>
@@ -3453,7 +3453,7 @@
             <a:r>
               <a:rPr lang="en-US" dirty="0">
                 <a:solidFill>
-                  <a:srgbClr val="001d5e"/>
+                  <a:srgbClr val="0070C0"/>
                 </a:solidFill>
               </a:rPr>
               <a:t> khan</a:t>
@@ -3461,7 +3461,7 @@
             <a:r>
               <a:rPr lang="en-US" dirty="0">
                 <a:solidFill>
-                  <a:srgbClr val="001d5e"/>
+                  <a:srgbClr val="0070C0"/>
                 </a:solidFill>
               </a:rPr>
               <a:t>FEBRUARY 2010</a:t>
@@ -3677,7 +3677,7 @@
             <a:r>
               <a:rPr lang="en-US" dirty="0">
                 <a:solidFill>
-                  <a:srgbClr val="001d5e"/>
+                  <a:srgbClr val="0070C0"/>
                 </a:solidFill>
               </a:rPr>
               <a:t>Moran Abitbul</a:t>
@@ -3688,7 +3688,7 @@
             <a:r>
               <a:rPr lang="en-US" dirty="0">
                 <a:solidFill>
-                  <a:srgbClr val="001d5e"/>
+                  <a:srgbClr val="0070C0"/>
                 </a:solidFill>
               </a:rPr>
               <a:t>Tair Farangi</a:t>
@@ -3720,7 +3720,7 @@
     <p:bg>
       <p:bgPr>
         <a:solidFill>
-          <a:srgbClr val="a6a7fa"/>
+          <a:srgbClr val="002060"/>
         </a:solidFill>
         <a:effectLst/>
       </p:bgPr>
@@ -3763,7 +3763,7 @@
             <a:r>
               <a:rPr lang="en-US" b="1" dirty="0">
                 <a:solidFill>
-                  <a:srgbClr val="001d5e"/>
+                  <a:srgbClr val="0070C0"/>
                 </a:solidFill>
               </a:rPr>
               <a:t>Outline</a:t>
@@ -3972,7 +3972,7 @@
             <a:r>
               <a:rPr lang="en-US" b="1" dirty="0">
                 <a:solidFill>
-                  <a:srgbClr val="001d5e"/>
+                  <a:srgbClr val="0070C0"/>
                 </a:solidFill>
               </a:rPr>
               <a:t>Machine Learning</a:t>
@@ -3983,7 +3983,7 @@
             <a:r>
               <a:rPr lang="en-US" sz="2800" b="1" dirty="0">
                 <a:solidFill>
-                  <a:srgbClr val="001d5e"/>
+                  <a:srgbClr val="0070C0"/>
                 </a:solidFill>
               </a:rPr>
               <a:t>Definitions</a:t>
@@ -3992,44 +3992,28 @@
           <a:p>
             <a:pPr marL="342900" indent="-342900"/>
             <a:r>
-              <a:rPr lang="en-US" dirty="0">
-                <a:solidFill>
-                  <a:srgbClr val="000000"/>
-                </a:solidFill>
-              </a:rPr>
+              <a:rPr lang="en-US" dirty="0"/>
               <a:t>Text Mining</a:t>
             </a:r>
           </a:p>
           <a:p>
             <a:pPr marL="342900" indent="-342900"/>
             <a:r>
-              <a:rPr lang="en-US" dirty="0">
-                <a:solidFill>
-                  <a:srgbClr val="000000"/>
-                </a:solidFill>
-              </a:rPr>
+              <a:rPr lang="en-US" dirty="0"/>
               <a:t>Learning Algorithm</a:t>
             </a:r>
           </a:p>
           <a:p>
             <a:pPr marL="342900" indent="-342900"/>
             <a:r>
-              <a:rPr lang="en-US" dirty="0">
-                <a:solidFill>
-                  <a:srgbClr val="000000"/>
-                </a:solidFill>
-              </a:rPr>
+              <a:rPr lang="en-US" dirty="0"/>
               <a:t>Text mining for market prediction</a:t>
             </a:r>
           </a:p>
           <a:p>
             <a:pPr marL="342900" indent="-342900"/>
             <a:r>
-              <a:rPr lang="en-US" dirty="0">
-                <a:solidFill>
-                  <a:srgbClr val="000000"/>
-                </a:solidFill>
-              </a:rPr>
+              <a:rPr lang="en-US" dirty="0"/>
               <a:t>Conclusions</a:t>
             </a:r>
             <a:endParaRPr lang="he-IL" dirty="0"/>
@@ -4055,7 +4039,7 @@
     <p:bg>
       <p:bgPr>
         <a:solidFill>
-          <a:srgbClr val="a6a7fa"/>
+          <a:srgbClr val="002060"/>
         </a:solidFill>
         <a:effectLst/>
       </p:bgPr>
@@ -4103,7 +4087,7 @@
             <a:r>
               <a:rPr lang="en-US" b="1" dirty="0">
                 <a:solidFill>
-                  <a:srgbClr val="001d5e"/>
+                  <a:srgbClr val="0070C0"/>
                 </a:solidFill>
               </a:rPr>
               <a:t>Definitions</a:t>
@@ -4148,12 +4132,21 @@
               <a:buNone/>
             </a:pPr>
             <a:r>
-              <a:rPr lang="en-US" dirty="0">
-                <a:solidFill>
-                  <a:srgbClr val="000000"/>
+              <a:rPr lang="en-US" dirty="0"/>
+              <a:t>Machine Learning:</a:t>
+            </a:r>
+          </a:p>
+          <a:p>
+            <a:pPr marL="0" indent="0">
+              <a:buNone/>
+            </a:pPr>
+            <a:r>
+              <a:rPr lang="en-US" sz="2400" dirty="0">
+                <a:solidFill>
+                  <a:srgbClr val="0070C0"/>
                 </a:solidFill>
               </a:rPr>
-              <a:t>•Machine Learning:</a:t>
+              <a:t>Allow the computer to learn from examples, Runs on a variety of computational tasks where classic programming is not possible.</a:t>
             </a:r>
           </a:p>
           <a:p>
@@ -4161,58 +4154,13 @@
               <a:buNone/>
             </a:pPr>
             <a:r>
-              <a:rPr lang="en-US" sz="2400" dirty="0">
-                <a:solidFill>
-                  <a:srgbClr val="001d5e"/>
-                </a:solidFill>
-              </a:rPr>
-              <a:t>	◦Allow the computer to learn from examples.
-	◦ Runs on a variety of computational tasks where classic programming 
-	 is not possible.</a:t>
-            </a:r>
-          </a:p>
-          <a:p>
-            <a:pPr marL="0" indent="0">
-              <a:buNone/>
-            </a:pPr>
-            <a:r>
-              <a:rPr lang="en-US" dirty="0">
-                <a:solidFill>
-                  <a:srgbClr val="000000"/>
-                </a:solidFill>
-              </a:rPr>
-              <a:t>•Supervised Learning.
-• Unsupervised Learning.
-• Reinforcement Learning.</a:t>
+              <a:rPr lang="en-US" dirty="0"/>
+              <a:t>Supervised Learning. Unsupervised Learning. Reinforcement Learning.</a:t>
             </a:r>
             <a:endParaRPr lang="he-IL" dirty="0"/>
           </a:p>
         </p:txBody>
       </p:sp>
-      <p:pic>
-        <p:nvPicPr>
-          <p:cNvPr id="4" name="image-1ed41bf9-7083-4dd5-aa98-e32c4895009c.png 4" descr="image-1ed41bf9-7083-4dd5-aa98-e32c4895009c.png"/>
-          <p:cNvPicPr>
-            <a:picLocks noChangeAspect="1"/>
-          </p:cNvPicPr>
-          <p:nvPr/>
-        </p:nvPicPr>
-        <p:blipFill>
-          <a:blip r:embed="rId2" cstate="print"/>
-          <a:stretch>
-            <a:fillRect/>
-          </a:stretch>
-        </p:blipFill>
-        <p:spPr>
-          <a:xfrm>
-            <a:off x="7620000" y="3937000"/>
-            <a:ext cx="4445000" cy="2963333"/>
-          </a:xfrm>
-          <a:prstGeom prst="rect">
-            <a:avLst/>
-          </a:prstGeom>
-        </p:spPr>
-      </p:pic>
     </p:spTree>
     <p:extLst>
       <p:ext uri="{BB962C8B-B14F-4D97-AF65-F5344CB8AC3E}">
@@ -4232,7 +4180,7 @@
     <p:bg>
       <p:bgPr>
         <a:solidFill>
-          <a:srgbClr val="a6a7fa"/>
+          <a:srgbClr val="002060"/>
         </a:solidFill>
         <a:effectLst/>
       </p:bgPr>
@@ -4280,7 +4228,7 @@
             <a:r>
               <a:rPr lang="en-US" b="1" dirty="0">
                 <a:solidFill>
-                  <a:srgbClr val="001d5e"/>
+                  <a:srgbClr val="0070C0"/>
                 </a:solidFill>
               </a:rPr>
               <a:t>Definitions</a:t>
@@ -4323,13 +4271,12 @@
               <a:buNone/>
             </a:pPr>
             <a:r>
-              <a:rPr lang="en-US" dirty="0">
-                <a:solidFill>
-                  <a:srgbClr val="000000"/>
-                </a:solidFill>
-              </a:rPr>
-              <a:t>•Data Set:
-	◦ Data For Learning, Examples - with or without “results”.</a:t>
+              <a:rPr lang="en-US" dirty="0"/>
+              <a:t>Data Set: </a:t>
+            </a:r>
+            <a:r>
+              <a:rPr lang="en-US" sz="2400" dirty="0"/>
+              <a:t>Data For Learning, Examples - with or without “results”.</a:t>
             </a:r>
           </a:p>
           <a:p>
@@ -4337,13 +4284,20 @@
               <a:buNone/>
             </a:pPr>
             <a:r>
-              <a:rPr lang="en-US" dirty="0">
-                <a:solidFill>
-                  <a:srgbClr val="000000"/>
-                </a:solidFill>
-              </a:rPr>
-              <a:t>•Occam’s Razor:
-	◦ prefer a simple model if possible.</a:t>
+              <a:rPr lang="en-US" dirty="0"/>
+              <a:t>Occam’s Razor: </a:t>
+            </a:r>
+            <a:r>
+              <a:rPr lang="en-US" sz="2400" dirty="0"/>
+              <a:t>prefer a </a:t>
+            </a:r>
+            <a:r>
+              <a:rPr lang="en-US" sz="2400" b="1" dirty="0"/>
+              <a:t>simple</a:t>
+            </a:r>
+            <a:r>
+              <a:rPr lang="en-US" sz="2400" dirty="0"/>
+              <a:t> model if possible.</a:t>
             </a:r>
             <a:endParaRPr lang="he-IL" dirty="0"/>
           </a:p>
@@ -4368,7 +4322,7 @@
     <p:bg>
       <p:bgPr>
         <a:solidFill>
-          <a:srgbClr val="a6a7fa"/>
+          <a:srgbClr val="bebdff"/>
         </a:solidFill>
         <a:effectLst/>
       </p:bgPr>
@@ -4411,7 +4365,7 @@
             <a:r>
               <a:rPr lang="en-US" b="1" dirty="0">
                 <a:solidFill>
-                  <a:srgbClr val="001d5e"/>
+                  <a:srgbClr val="00286c"/>
                 </a:solidFill>
               </a:rPr>
               <a:t>Outline</a:t>
@@ -4631,7 +4585,7 @@
             <a:r>
               <a:rPr lang="en-US" b="1" dirty="0">
                 <a:solidFill>
-                  <a:srgbClr val="001d5e"/>
+                  <a:srgbClr val="00286c"/>
                 </a:solidFill>
               </a:rPr>
               <a:t>Text Mining</a:t>
@@ -4692,7 +4646,7 @@
     <p:bg>
       <p:bgPr>
         <a:solidFill>
-          <a:srgbClr val="a6a7fa"/>
+          <a:srgbClr val="bebdff"/>
         </a:solidFill>
         <a:effectLst/>
       </p:bgPr>
@@ -4735,7 +4689,7 @@
             <a:r>
               <a:rPr lang="en-US" b="1" dirty="0">
                 <a:solidFill>
-                  <a:srgbClr val="001d5e"/>
+                  <a:srgbClr val="00286c"/>
                 </a:solidFill>
               </a:rPr>
               <a:t>Text Mining</a:t>
@@ -4811,30 +4765,6 @@
           </a:p>
         </p:txBody>
       </p:sp>
-      <p:pic>
-        <p:nvPicPr>
-          <p:cNvPr id="4" name="image-4467538a-495b-4eba-950e-a8b3e2492554.png 4" descr="image-4467538a-495b-4eba-950e-a8b3e2492554.png"/>
-          <p:cNvPicPr>
-            <a:picLocks noChangeAspect="1"/>
-          </p:cNvPicPr>
-          <p:nvPr/>
-        </p:nvPicPr>
-        <p:blipFill>
-          <a:blip r:embed="rId2" cstate="print"/>
-          <a:stretch>
-            <a:fillRect/>
-          </a:stretch>
-        </p:blipFill>
-        <p:spPr>
-          <a:xfrm>
-            <a:off x="7620000" y="3937000"/>
-            <a:ext cx="4445000" cy="2528558"/>
-          </a:xfrm>
-          <a:prstGeom prst="rect">
-            <a:avLst/>
-          </a:prstGeom>
-        </p:spPr>
-      </p:pic>
     </p:spTree>
     <p:extLst>
       <p:ext uri="{BB962C8B-B14F-4D97-AF65-F5344CB8AC3E}">
@@ -4854,7 +4784,7 @@
     <p:bg>
       <p:bgPr>
         <a:solidFill>
-          <a:srgbClr val="a6a7fa"/>
+          <a:srgbClr val="bebdff"/>
         </a:solidFill>
         <a:effectLst/>
       </p:bgPr>
@@ -4897,7 +4827,7 @@
             <a:r>
               <a:rPr lang="en-US" b="1" dirty="0">
                 <a:solidFill>
-                  <a:srgbClr val="002152"/>
+                  <a:srgbClr val="002d60"/>
                 </a:solidFill>
               </a:rPr>
               <a:t>Definitions</a:t>
